--- a/src/latex/final_presentation/images/Grafiks.pptx
+++ b/src/latex/final_presentation/images/Grafiks.pptx
@@ -1891,12 +1891,8 @@
             <a:rPr lang="de-DE" sz="1200" dirty="0" smtClean="0"/>
           </a:br>
           <a:r>
-            <a:rPr lang="de-DE" sz="1200" dirty="0" smtClean="0"/>
-            <a:t> </a:t>
-          </a:r>
-          <a:r>
-            <a:rPr lang="de-DE" sz="1200" dirty="0" err="1" smtClean="0"/>
-            <a:t>Lemmatas</a:t>
+            <a:rPr lang="de-DE" sz="1200" smtClean="0"/>
+            <a:t> Lemmas</a:t>
           </a:r>
           <a:endParaRPr lang="en-US" sz="1200" dirty="0"/>
         </a:p>
@@ -1978,6 +1974,13 @@
         </dgm:presLayoutVars>
       </dgm:prSet>
       <dgm:spPr/>
+      <dgm:t>
+        <a:bodyPr/>
+        <a:lstStyle/>
+        <a:p>
+          <a:endParaRPr lang="en-US"/>
+        </a:p>
+      </dgm:t>
     </dgm:pt>
     <dgm:pt modelId="{33D72AE1-A828-4E44-A3A9-4C4D7C33B00E}" type="pres">
       <dgm:prSet presAssocID="{CE3A382D-CE3A-4F0F-9C28-D7B7E44C9753}" presName="composite" presStyleCnt="0"/>
@@ -1992,6 +1995,13 @@
         </dgm:presLayoutVars>
       </dgm:prSet>
       <dgm:spPr/>
+      <dgm:t>
+        <a:bodyPr/>
+        <a:lstStyle/>
+        <a:p>
+          <a:endParaRPr lang="en-US"/>
+        </a:p>
+      </dgm:t>
     </dgm:pt>
     <dgm:pt modelId="{73522248-1E62-406F-8252-C47EF0D44467}" type="pres">
       <dgm:prSet presAssocID="{CE3A382D-CE3A-4F0F-9C28-D7B7E44C9753}" presName="desTx" presStyleLbl="revTx" presStyleIdx="0" presStyleCnt="3">
@@ -2025,6 +2035,13 @@
         </dgm:presLayoutVars>
       </dgm:prSet>
       <dgm:spPr/>
+      <dgm:t>
+        <a:bodyPr/>
+        <a:lstStyle/>
+        <a:p>
+          <a:endParaRPr lang="en-US"/>
+        </a:p>
+      </dgm:t>
     </dgm:pt>
     <dgm:pt modelId="{6E5AAB45-0BDC-4F5C-A0D6-35B1DDAD8C04}" type="pres">
       <dgm:prSet presAssocID="{18C61687-0938-46C7-AC01-850A66211358}" presName="desTx" presStyleLbl="revTx" presStyleIdx="1" presStyleCnt="3">
@@ -2058,6 +2075,13 @@
         </dgm:presLayoutVars>
       </dgm:prSet>
       <dgm:spPr/>
+      <dgm:t>
+        <a:bodyPr/>
+        <a:lstStyle/>
+        <a:p>
+          <a:endParaRPr lang="en-US"/>
+        </a:p>
+      </dgm:t>
     </dgm:pt>
     <dgm:pt modelId="{D99AFFA6-1162-4624-AFE1-0AFC7195A242}" type="pres">
       <dgm:prSet presAssocID="{90F8073B-DCAA-4AB9-8F50-EC213758B0A4}" presName="desTx" presStyleLbl="revTx" presStyleIdx="2" presStyleCnt="3" custFlipVert="0" custScaleY="100000">
@@ -2296,7 +2320,7 @@
         <a:p>
           <a:pPr algn="ctr"/>
           <a:r>
-            <a:rPr lang="de-DE" smtClean="0"/>
+            <a:rPr lang="de-DE" dirty="0" smtClean="0"/>
             <a:t>Informationen anreichern</a:t>
           </a:r>
           <a:endParaRPr lang="en-US" dirty="0"/>
@@ -2520,6 +2544,51 @@
         </a:p>
       </dgm:t>
     </dgm:pt>
+    <dgm:pt modelId="{EC3CDB5E-2007-4335-8E37-9AE8C8D8E2B6}">
+      <dgm:prSet phldrT="[Text]"/>
+      <dgm:spPr>
+        <a:solidFill>
+          <a:schemeClr val="tx2">
+            <a:lumMod val="60000"/>
+            <a:lumOff val="40000"/>
+          </a:schemeClr>
+        </a:solidFill>
+      </dgm:spPr>
+      <dgm:t>
+        <a:bodyPr/>
+        <a:lstStyle/>
+        <a:p>
+          <a:pPr algn="l"/>
+          <a:r>
+            <a:rPr lang="de-DE" dirty="0" smtClean="0"/>
+            <a:t>Bzgl. jedes Target-Lemmas</a:t>
+          </a:r>
+          <a:endParaRPr lang="en-US" dirty="0"/>
+        </a:p>
+      </dgm:t>
+    </dgm:pt>
+    <dgm:pt modelId="{FFD1AD96-B242-4682-9FDF-9E2C069BF9C4}" type="parTrans" cxnId="{516D7073-1413-4211-B3EB-D635E7BBD44C}">
+      <dgm:prSet/>
+      <dgm:spPr/>
+      <dgm:t>
+        <a:bodyPr/>
+        <a:lstStyle/>
+        <a:p>
+          <a:endParaRPr lang="en-US"/>
+        </a:p>
+      </dgm:t>
+    </dgm:pt>
+    <dgm:pt modelId="{5DE1EEC3-DFAB-4C0D-8767-E51582BF44D1}" type="sibTrans" cxnId="{516D7073-1413-4211-B3EB-D635E7BBD44C}">
+      <dgm:prSet/>
+      <dgm:spPr/>
+      <dgm:t>
+        <a:bodyPr/>
+        <a:lstStyle/>
+        <a:p>
+          <a:endParaRPr lang="en-US"/>
+        </a:p>
+      </dgm:t>
+    </dgm:pt>
     <dgm:pt modelId="{FC62E5D2-33B3-4BD6-9B38-D983F747134F}" type="pres">
       <dgm:prSet presAssocID="{EACC1A25-974B-49A2-BBE5-EBE1BDE20D7D}" presName="Name0" presStyleCnt="0">
         <dgm:presLayoutVars>
@@ -2529,6 +2598,13 @@
         </dgm:presLayoutVars>
       </dgm:prSet>
       <dgm:spPr/>
+      <dgm:t>
+        <a:bodyPr/>
+        <a:lstStyle/>
+        <a:p>
+          <a:endParaRPr lang="en-US"/>
+        </a:p>
+      </dgm:t>
     </dgm:pt>
     <dgm:pt modelId="{D330BC3D-A102-4B62-84B3-348CA6FC5373}" type="pres">
       <dgm:prSet presAssocID="{CE3A382D-CE3A-4F0F-9C28-D7B7E44C9753}" presName="composite" presStyleCnt="0"/>
@@ -2543,9 +2619,16 @@
         </dgm:presLayoutVars>
       </dgm:prSet>
       <dgm:spPr/>
+      <dgm:t>
+        <a:bodyPr/>
+        <a:lstStyle/>
+        <a:p>
+          <a:endParaRPr lang="en-US"/>
+        </a:p>
+      </dgm:t>
     </dgm:pt>
     <dgm:pt modelId="{3A79F57C-2C0B-4B99-81BE-7D3B5989312F}" type="pres">
-      <dgm:prSet presAssocID="{CE3A382D-CE3A-4F0F-9C28-D7B7E44C9753}" presName="desTx" presStyleLbl="revTx" presStyleIdx="0" presStyleCnt="3">
+      <dgm:prSet presAssocID="{CE3A382D-CE3A-4F0F-9C28-D7B7E44C9753}" presName="desTx" presStyleLbl="revTx" presStyleIdx="0" presStyleCnt="4">
         <dgm:presLayoutVars>
           <dgm:bulletEnabled val="1"/>
         </dgm:presLayoutVars>
@@ -2576,9 +2659,16 @@
         </dgm:presLayoutVars>
       </dgm:prSet>
       <dgm:spPr/>
+      <dgm:t>
+        <a:bodyPr/>
+        <a:lstStyle/>
+        <a:p>
+          <a:endParaRPr lang="en-US"/>
+        </a:p>
+      </dgm:t>
     </dgm:pt>
     <dgm:pt modelId="{80E1B3C1-7096-41B3-A532-B12D89F21DEA}" type="pres">
-      <dgm:prSet presAssocID="{18C61687-0938-46C7-AC01-850A66211358}" presName="desTx" presStyleLbl="revTx" presStyleIdx="1" presStyleCnt="3">
+      <dgm:prSet presAssocID="{18C61687-0938-46C7-AC01-850A66211358}" presName="desTx" presStyleLbl="revTx" presStyleIdx="1" presStyleCnt="4">
         <dgm:presLayoutVars>
           <dgm:bulletEnabled val="1"/>
         </dgm:presLayoutVars>
@@ -2609,14 +2699,28 @@
         </dgm:presLayoutVars>
       </dgm:prSet>
       <dgm:spPr/>
+      <dgm:t>
+        <a:bodyPr/>
+        <a:lstStyle/>
+        <a:p>
+          <a:endParaRPr lang="en-US"/>
+        </a:p>
+      </dgm:t>
     </dgm:pt>
     <dgm:pt modelId="{C086C6FC-3A7F-4361-8A0B-A6D13D43E9A2}" type="pres">
-      <dgm:prSet presAssocID="{6D4757D7-BAF8-4C37-BE37-EF01982C7309}" presName="desTx" presStyleLbl="revTx" presStyleIdx="1" presStyleCnt="3">
+      <dgm:prSet presAssocID="{6D4757D7-BAF8-4C37-BE37-EF01982C7309}" presName="desTx" presStyleLbl="revTx" presStyleIdx="2" presStyleCnt="4">
         <dgm:presLayoutVars>
           <dgm:bulletEnabled val="1"/>
         </dgm:presLayoutVars>
       </dgm:prSet>
       <dgm:spPr/>
+      <dgm:t>
+        <a:bodyPr/>
+        <a:lstStyle/>
+        <a:p>
+          <a:endParaRPr lang="en-US"/>
+        </a:p>
+      </dgm:t>
     </dgm:pt>
     <dgm:pt modelId="{FFBE496C-ECC9-439B-A8F7-D708CBFAE911}" type="pres">
       <dgm:prSet presAssocID="{896DAF60-7E12-4422-8506-57E5836E557D}" presName="space" presStyleCnt="0"/>
@@ -2635,9 +2739,16 @@
         </dgm:presLayoutVars>
       </dgm:prSet>
       <dgm:spPr/>
+      <dgm:t>
+        <a:bodyPr/>
+        <a:lstStyle/>
+        <a:p>
+          <a:endParaRPr lang="en-US"/>
+        </a:p>
+      </dgm:t>
     </dgm:pt>
     <dgm:pt modelId="{BB6A70FC-7441-4545-A8EB-651427CDEAD3}" type="pres">
-      <dgm:prSet presAssocID="{90F8073B-DCAA-4AB9-8F50-EC213758B0A4}" presName="desTx" presStyleLbl="revTx" presStyleIdx="2" presStyleCnt="3" custScaleX="109054">
+      <dgm:prSet presAssocID="{90F8073B-DCAA-4AB9-8F50-EC213758B0A4}" presName="desTx" presStyleLbl="revTx" presStyleIdx="3" presStyleCnt="4" custScaleX="109054">
         <dgm:presLayoutVars>
           <dgm:bulletEnabled val="1"/>
         </dgm:presLayoutVars>
@@ -2653,23 +2764,25 @@
     </dgm:pt>
   </dgm:ptLst>
   <dgm:cxnLst>
-    <dgm:cxn modelId="{C99F24FF-40BC-48C9-A5AE-BF9D3D7E0D7C}" srcId="{EACC1A25-974B-49A2-BBE5-EBE1BDE20D7D}" destId="{6D4757D7-BAF8-4C37-BE37-EF01982C7309}" srcOrd="2" destOrd="0" parTransId="{62ED1647-ECED-4D27-9B75-233F46736159}" sibTransId="{896DAF60-7E12-4422-8506-57E5836E557D}"/>
-    <dgm:cxn modelId="{9B3A7D89-FBAC-49EB-8599-CD02E2225AA5}" srcId="{CE3A382D-CE3A-4F0F-9C28-D7B7E44C9753}" destId="{8BAF4A33-E71A-4938-94F4-E7EAB7570828}" srcOrd="0" destOrd="0" parTransId="{C897EF46-EFA4-46CA-8444-86EF05C4DAD4}" sibTransId="{068B8491-73AC-43A1-BF63-2F8E1BAEF3DA}"/>
-    <dgm:cxn modelId="{16D5AD1C-9D92-4323-B73E-05487A9776AD}" type="presOf" srcId="{CE3A382D-CE3A-4F0F-9C28-D7B7E44C9753}" destId="{DB4673CD-F55E-43C5-824A-AD3752AA53F5}" srcOrd="0" destOrd="0" presId="urn:microsoft.com/office/officeart/2005/8/layout/chevron1"/>
-    <dgm:cxn modelId="{DF284F58-F1FB-4FE7-8721-543D0936A0BA}" type="presOf" srcId="{6D4757D7-BAF8-4C37-BE37-EF01982C7309}" destId="{71A318DD-4096-4078-8342-DA2EEA24CFAC}" srcOrd="0" destOrd="0" presId="urn:microsoft.com/office/officeart/2005/8/layout/chevron1"/>
-    <dgm:cxn modelId="{AB4083C8-457C-4DFC-8ACD-39D875AA9732}" type="presOf" srcId="{18C61687-0938-46C7-AC01-850A66211358}" destId="{F9DC67BF-1289-4EAB-AC71-1BD8845F12A0}" srcOrd="0" destOrd="0" presId="urn:microsoft.com/office/officeart/2005/8/layout/chevron1"/>
     <dgm:cxn modelId="{BD203F5E-6EE2-4BAE-BEB8-ABD4BFA09337}" srcId="{90F8073B-DCAA-4AB9-8F50-EC213758B0A4}" destId="{37016062-3955-4372-AE92-0ECC0E25D1DD}" srcOrd="0" destOrd="0" parTransId="{B1C6DDB5-0644-475D-A526-29C7DF681118}" sibTransId="{464415D4-711E-4AF7-B7BC-7F029D867463}"/>
-    <dgm:cxn modelId="{BCFF9354-130C-4B81-96CC-5B887C577D38}" type="presOf" srcId="{EACC1A25-974B-49A2-BBE5-EBE1BDE20D7D}" destId="{FC62E5D2-33B3-4BD6-9B38-D983F747134F}" srcOrd="0" destOrd="0" presId="urn:microsoft.com/office/officeart/2005/8/layout/chevron1"/>
-    <dgm:cxn modelId="{99D66251-7006-479E-9959-9BA634199863}" srcId="{EACC1A25-974B-49A2-BBE5-EBE1BDE20D7D}" destId="{CE3A382D-CE3A-4F0F-9C28-D7B7E44C9753}" srcOrd="0" destOrd="0" parTransId="{296DEF04-8880-4A3A-A5A0-111BBB0D0EDD}" sibTransId="{46602C2F-98FF-4E09-AF95-D30D928A46A4}"/>
     <dgm:cxn modelId="{A9B53866-9F0E-4A5C-9909-BC32D38A3354}" type="presOf" srcId="{052E790F-BC3E-4BED-BDA3-6D6D4170FC76}" destId="{BB6A70FC-7441-4545-A8EB-651427CDEAD3}" srcOrd="0" destOrd="1" presId="urn:microsoft.com/office/officeart/2005/8/layout/chevron1"/>
     <dgm:cxn modelId="{2CA62723-0F6F-4348-ACA7-1996FE0D2142}" srcId="{EACC1A25-974B-49A2-BBE5-EBE1BDE20D7D}" destId="{90F8073B-DCAA-4AB9-8F50-EC213758B0A4}" srcOrd="3" destOrd="0" parTransId="{7E6BADDE-A4CD-4B0C-8009-66360C8B823D}" sibTransId="{649FDC55-105F-4746-9997-8EDA78F19352}"/>
     <dgm:cxn modelId="{2166C88A-AD70-49BC-86AD-A5B20BE4F46A}" srcId="{18C61687-0938-46C7-AC01-850A66211358}" destId="{22239534-C8C9-4BFC-A5FC-EF26BD193394}" srcOrd="0" destOrd="0" parTransId="{E0EFEED8-CB88-4A8B-8040-119A354B7845}" sibTransId="{DC7E4B8A-D1E7-40A3-92D0-7A918739D7B5}"/>
+    <dgm:cxn modelId="{16D5AD1C-9D92-4323-B73E-05487A9776AD}" type="presOf" srcId="{CE3A382D-CE3A-4F0F-9C28-D7B7E44C9753}" destId="{DB4673CD-F55E-43C5-824A-AD3752AA53F5}" srcOrd="0" destOrd="0" presId="urn:microsoft.com/office/officeart/2005/8/layout/chevron1"/>
+    <dgm:cxn modelId="{60C67A14-BD43-4FA5-B3DB-24D11F456485}" type="presOf" srcId="{EC3CDB5E-2007-4335-8E37-9AE8C8D8E2B6}" destId="{C086C6FC-3A7F-4361-8A0B-A6D13D43E9A2}" srcOrd="0" destOrd="0" presId="urn:microsoft.com/office/officeart/2005/8/layout/chevron1"/>
+    <dgm:cxn modelId="{2CF601A7-7F24-46CD-B059-386FAA180ACF}" type="presOf" srcId="{90F8073B-DCAA-4AB9-8F50-EC213758B0A4}" destId="{BA3341C7-AE0E-41C1-9BE8-44374F23A318}" srcOrd="0" destOrd="0" presId="urn:microsoft.com/office/officeart/2005/8/layout/chevron1"/>
+    <dgm:cxn modelId="{516D7073-1413-4211-B3EB-D635E7BBD44C}" srcId="{6D4757D7-BAF8-4C37-BE37-EF01982C7309}" destId="{EC3CDB5E-2007-4335-8E37-9AE8C8D8E2B6}" srcOrd="0" destOrd="0" parTransId="{FFD1AD96-B242-4682-9FDF-9E2C069BF9C4}" sibTransId="{5DE1EEC3-DFAB-4C0D-8767-E51582BF44D1}"/>
     <dgm:cxn modelId="{3B894C8F-10AF-4DDD-ABE8-B4100CBE4D4E}" type="presOf" srcId="{22239534-C8C9-4BFC-A5FC-EF26BD193394}" destId="{80E1B3C1-7096-41B3-A532-B12D89F21DEA}" srcOrd="0" destOrd="0" presId="urn:microsoft.com/office/officeart/2005/8/layout/chevron1"/>
-    <dgm:cxn modelId="{2CF601A7-7F24-46CD-B059-386FAA180ACF}" type="presOf" srcId="{90F8073B-DCAA-4AB9-8F50-EC213758B0A4}" destId="{BA3341C7-AE0E-41C1-9BE8-44374F23A318}" srcOrd="0" destOrd="0" presId="urn:microsoft.com/office/officeart/2005/8/layout/chevron1"/>
+    <dgm:cxn modelId="{DF284F58-F1FB-4FE7-8721-543D0936A0BA}" type="presOf" srcId="{6D4757D7-BAF8-4C37-BE37-EF01982C7309}" destId="{71A318DD-4096-4078-8342-DA2EEA24CFAC}" srcOrd="0" destOrd="0" presId="urn:microsoft.com/office/officeart/2005/8/layout/chevron1"/>
+    <dgm:cxn modelId="{397E3759-173B-4611-B984-B7CFD24DB036}" type="presOf" srcId="{37016062-3955-4372-AE92-0ECC0E25D1DD}" destId="{BB6A70FC-7441-4545-A8EB-651427CDEAD3}" srcOrd="0" destOrd="0" presId="urn:microsoft.com/office/officeart/2005/8/layout/chevron1"/>
+    <dgm:cxn modelId="{C99F24FF-40BC-48C9-A5AE-BF9D3D7E0D7C}" srcId="{EACC1A25-974B-49A2-BBE5-EBE1BDE20D7D}" destId="{6D4757D7-BAF8-4C37-BE37-EF01982C7309}" srcOrd="2" destOrd="0" parTransId="{62ED1647-ECED-4D27-9B75-233F46736159}" sibTransId="{896DAF60-7E12-4422-8506-57E5836E557D}"/>
+    <dgm:cxn modelId="{AB4083C8-457C-4DFC-8ACD-39D875AA9732}" type="presOf" srcId="{18C61687-0938-46C7-AC01-850A66211358}" destId="{F9DC67BF-1289-4EAB-AC71-1BD8845F12A0}" srcOrd="0" destOrd="0" presId="urn:microsoft.com/office/officeart/2005/8/layout/chevron1"/>
+    <dgm:cxn modelId="{C84289DE-73E1-496B-9401-940D5703B071}" srcId="{90F8073B-DCAA-4AB9-8F50-EC213758B0A4}" destId="{052E790F-BC3E-4BED-BDA3-6D6D4170FC76}" srcOrd="1" destOrd="0" parTransId="{3CF60790-59BE-4B20-AE54-E84F55356C71}" sibTransId="{583E5F05-89B7-422A-90A3-A4E96BABDD84}"/>
+    <dgm:cxn modelId="{99D66251-7006-479E-9959-9BA634199863}" srcId="{EACC1A25-974B-49A2-BBE5-EBE1BDE20D7D}" destId="{CE3A382D-CE3A-4F0F-9C28-D7B7E44C9753}" srcOrd="0" destOrd="0" parTransId="{296DEF04-8880-4A3A-A5A0-111BBB0D0EDD}" sibTransId="{46602C2F-98FF-4E09-AF95-D30D928A46A4}"/>
+    <dgm:cxn modelId="{B43ABD73-A4BD-467A-A1CE-DA1FBEEFEE74}" type="presOf" srcId="{8BAF4A33-E71A-4938-94F4-E7EAB7570828}" destId="{3A79F57C-2C0B-4B99-81BE-7D3B5989312F}" srcOrd="0" destOrd="0" presId="urn:microsoft.com/office/officeart/2005/8/layout/chevron1"/>
+    <dgm:cxn modelId="{BCFF9354-130C-4B81-96CC-5B887C577D38}" type="presOf" srcId="{EACC1A25-974B-49A2-BBE5-EBE1BDE20D7D}" destId="{FC62E5D2-33B3-4BD6-9B38-D983F747134F}" srcOrd="0" destOrd="0" presId="urn:microsoft.com/office/officeart/2005/8/layout/chevron1"/>
     <dgm:cxn modelId="{53973FB4-F98B-419D-912C-A8EF5C8ECA8E}" srcId="{EACC1A25-974B-49A2-BBE5-EBE1BDE20D7D}" destId="{18C61687-0938-46C7-AC01-850A66211358}" srcOrd="1" destOrd="0" parTransId="{C8499A90-BD14-433B-8B81-D67037518C58}" sibTransId="{AF379DEA-C979-4428-88A4-135646A2AE24}"/>
-    <dgm:cxn modelId="{C84289DE-73E1-496B-9401-940D5703B071}" srcId="{90F8073B-DCAA-4AB9-8F50-EC213758B0A4}" destId="{052E790F-BC3E-4BED-BDA3-6D6D4170FC76}" srcOrd="1" destOrd="0" parTransId="{3CF60790-59BE-4B20-AE54-E84F55356C71}" sibTransId="{583E5F05-89B7-422A-90A3-A4E96BABDD84}"/>
-    <dgm:cxn modelId="{B43ABD73-A4BD-467A-A1CE-DA1FBEEFEE74}" type="presOf" srcId="{8BAF4A33-E71A-4938-94F4-E7EAB7570828}" destId="{3A79F57C-2C0B-4B99-81BE-7D3B5989312F}" srcOrd="0" destOrd="0" presId="urn:microsoft.com/office/officeart/2005/8/layout/chevron1"/>
-    <dgm:cxn modelId="{397E3759-173B-4611-B984-B7CFD24DB036}" type="presOf" srcId="{37016062-3955-4372-AE92-0ECC0E25D1DD}" destId="{BB6A70FC-7441-4545-A8EB-651427CDEAD3}" srcOrd="0" destOrd="0" presId="urn:microsoft.com/office/officeart/2005/8/layout/chevron1"/>
+    <dgm:cxn modelId="{9B3A7D89-FBAC-49EB-8599-CD02E2225AA5}" srcId="{CE3A382D-CE3A-4F0F-9C28-D7B7E44C9753}" destId="{8BAF4A33-E71A-4938-94F4-E7EAB7570828}" srcOrd="0" destOrd="0" parTransId="{C897EF46-EFA4-46CA-8444-86EF05C4DAD4}" sibTransId="{068B8491-73AC-43A1-BF63-2F8E1BAEF3DA}"/>
     <dgm:cxn modelId="{7A4A14B7-BAD5-43D5-B398-2624FB31E1CE}" type="presParOf" srcId="{FC62E5D2-33B3-4BD6-9B38-D983F747134F}" destId="{D330BC3D-A102-4B62-84B3-348CA6FC5373}" srcOrd="0" destOrd="0" presId="urn:microsoft.com/office/officeart/2005/8/layout/chevron1"/>
     <dgm:cxn modelId="{DA4478B7-DD87-4488-86C1-C4119A15E331}" type="presParOf" srcId="{D330BC3D-A102-4B62-84B3-348CA6FC5373}" destId="{DB4673CD-F55E-43C5-824A-AD3752AA53F5}" srcOrd="0" destOrd="0" presId="urn:microsoft.com/office/officeart/2005/8/layout/chevron1"/>
     <dgm:cxn modelId="{C2124093-0E49-4301-9EBF-796B96136B85}" type="presParOf" srcId="{D330BC3D-A102-4B62-84B3-348CA6FC5373}" destId="{3A79F57C-2C0B-4B99-81BE-7D3B5989312F}" srcOrd="1" destOrd="0" presId="urn:microsoft.com/office/officeart/2005/8/layout/chevron1"/>
@@ -2978,12 +3091,8 @@
             <a:rPr lang="de-DE" sz="1200" kern="1200" dirty="0" smtClean="0"/>
           </a:br>
           <a:r>
-            <a:rPr lang="de-DE" sz="1200" kern="1200" dirty="0" smtClean="0"/>
-            <a:t> </a:t>
-          </a:r>
-          <a:r>
-            <a:rPr lang="de-DE" sz="1200" kern="1200" dirty="0" err="1" smtClean="0"/>
-            <a:t>Lemmatas</a:t>
+            <a:rPr lang="de-DE" sz="1200" kern="1200" smtClean="0"/>
+            <a:t> Lemmas</a:t>
           </a:r>
           <a:endParaRPr lang="en-US" sz="1200" kern="1200" dirty="0"/>
         </a:p>
@@ -3517,7 +3626,7 @@
             </a:spcAft>
           </a:pPr>
           <a:r>
-            <a:rPr lang="de-DE" sz="1200" kern="1200" smtClean="0"/>
+            <a:rPr lang="de-DE" sz="1200" kern="1200" dirty="0" smtClean="0"/>
             <a:t>Informationen anreichern</a:t>
           </a:r>
           <a:endParaRPr lang="en-US" sz="1200" kern="1200" dirty="0"/>
@@ -3526,6 +3635,72 @@
       <dsp:txXfrm>
         <a:off x="3388737" y="14626"/>
         <a:ext cx="1098123" cy="648000"/>
+      </dsp:txXfrm>
+    </dsp:sp>
+    <dsp:sp modelId="{C086C6FC-3A7F-4361-8A0B-A6D13D43E9A2}">
+      <dsp:nvSpPr>
+        <dsp:cNvPr id="0" name=""/>
+        <dsp:cNvSpPr/>
+      </dsp:nvSpPr>
+      <dsp:spPr>
+        <a:xfrm>
+          <a:off x="3064737" y="743626"/>
+          <a:ext cx="1396898" cy="537890"/>
+        </a:xfrm>
+        <a:prstGeom prst="rect">
+          <a:avLst/>
+        </a:prstGeom>
+        <a:solidFill>
+          <a:schemeClr val="tx2">
+            <a:lumMod val="60000"/>
+            <a:lumOff val="40000"/>
+          </a:schemeClr>
+        </a:solidFill>
+        <a:ln>
+          <a:noFill/>
+        </a:ln>
+        <a:effectLst/>
+      </dsp:spPr>
+      <dsp:style>
+        <a:lnRef idx="0">
+          <a:scrgbClr r="0" g="0" b="0"/>
+        </a:lnRef>
+        <a:fillRef idx="0">
+          <a:scrgbClr r="0" g="0" b="0"/>
+        </a:fillRef>
+        <a:effectRef idx="0">
+          <a:scrgbClr r="0" g="0" b="0"/>
+        </a:effectRef>
+        <a:fontRef idx="minor"/>
+      </dsp:style>
+      <dsp:txBody>
+        <a:bodyPr spcFirstLastPara="0" vert="horz" wrap="square" lIns="0" tIns="0" rIns="0" bIns="0" numCol="1" spcCol="1270" anchor="t" anchorCtr="0">
+          <a:noAutofit/>
+        </a:bodyPr>
+        <a:lstStyle/>
+        <a:p>
+          <a:pPr marL="114300" lvl="1" indent="-114300" algn="l" defTabSz="533400">
+            <a:lnSpc>
+              <a:spcPct val="90000"/>
+            </a:lnSpc>
+            <a:spcBef>
+              <a:spcPct val="0"/>
+            </a:spcBef>
+            <a:spcAft>
+              <a:spcPct val="15000"/>
+            </a:spcAft>
+            <a:buChar char="••"/>
+          </a:pPr>
+          <a:r>
+            <a:rPr lang="de-DE" sz="1200" kern="1200" dirty="0" smtClean="0"/>
+            <a:t>Bzgl. jedes Target-Lemmas</a:t>
+          </a:r>
+          <a:endParaRPr lang="en-US" sz="1200" kern="1200" dirty="0"/>
+        </a:p>
+      </dsp:txBody>
+      <dsp:txXfrm>
+        <a:off x="3064737" y="743626"/>
+        <a:ext cx="1396898" cy="537890"/>
       </dsp:txXfrm>
     </dsp:sp>
     <dsp:sp modelId="{BA3341C7-AE0E-41C1-9BE8-44374F23A318}">
@@ -6505,7 +6680,7 @@
           <a:p>
             <a:fld id="{0DD0F891-3494-4375-8D9C-A971EB428D9A}" type="datetimeFigureOut">
               <a:rPr lang="en-US" smtClean="0"/>
-              <a:t>1/27/2014</a:t>
+              <a:t>2/6/2014</a:t>
             </a:fld>
             <a:endParaRPr lang="en-US"/>
           </a:p>
@@ -6675,7 +6850,7 @@
           <a:p>
             <a:fld id="{0DD0F891-3494-4375-8D9C-A971EB428D9A}" type="datetimeFigureOut">
               <a:rPr lang="en-US" smtClean="0"/>
-              <a:t>1/27/2014</a:t>
+              <a:t>2/6/2014</a:t>
             </a:fld>
             <a:endParaRPr lang="en-US"/>
           </a:p>
@@ -6855,7 +7030,7 @@
           <a:p>
             <a:fld id="{0DD0F891-3494-4375-8D9C-A971EB428D9A}" type="datetimeFigureOut">
               <a:rPr lang="en-US" smtClean="0"/>
-              <a:t>1/27/2014</a:t>
+              <a:t>2/6/2014</a:t>
             </a:fld>
             <a:endParaRPr lang="en-US"/>
           </a:p>
@@ -7025,7 +7200,7 @@
           <a:p>
             <a:fld id="{0DD0F891-3494-4375-8D9C-A971EB428D9A}" type="datetimeFigureOut">
               <a:rPr lang="en-US" smtClean="0"/>
-              <a:t>1/27/2014</a:t>
+              <a:t>2/6/2014</a:t>
             </a:fld>
             <a:endParaRPr lang="en-US"/>
           </a:p>
@@ -7271,7 +7446,7 @@
           <a:p>
             <a:fld id="{0DD0F891-3494-4375-8D9C-A971EB428D9A}" type="datetimeFigureOut">
               <a:rPr lang="en-US" smtClean="0"/>
-              <a:t>1/27/2014</a:t>
+              <a:t>2/6/2014</a:t>
             </a:fld>
             <a:endParaRPr lang="en-US"/>
           </a:p>
@@ -7559,7 +7734,7 @@
           <a:p>
             <a:fld id="{0DD0F891-3494-4375-8D9C-A971EB428D9A}" type="datetimeFigureOut">
               <a:rPr lang="en-US" smtClean="0"/>
-              <a:t>1/27/2014</a:t>
+              <a:t>2/6/2014</a:t>
             </a:fld>
             <a:endParaRPr lang="en-US"/>
           </a:p>
@@ -7981,7 +8156,7 @@
           <a:p>
             <a:fld id="{0DD0F891-3494-4375-8D9C-A971EB428D9A}" type="datetimeFigureOut">
               <a:rPr lang="en-US" smtClean="0"/>
-              <a:t>1/27/2014</a:t>
+              <a:t>2/6/2014</a:t>
             </a:fld>
             <a:endParaRPr lang="en-US"/>
           </a:p>
@@ -8099,7 +8274,7 @@
           <a:p>
             <a:fld id="{0DD0F891-3494-4375-8D9C-A971EB428D9A}" type="datetimeFigureOut">
               <a:rPr lang="en-US" smtClean="0"/>
-              <a:t>1/27/2014</a:t>
+              <a:t>2/6/2014</a:t>
             </a:fld>
             <a:endParaRPr lang="en-US"/>
           </a:p>
@@ -8194,7 +8369,7 @@
           <a:p>
             <a:fld id="{0DD0F891-3494-4375-8D9C-A971EB428D9A}" type="datetimeFigureOut">
               <a:rPr lang="en-US" smtClean="0"/>
-              <a:t>1/27/2014</a:t>
+              <a:t>2/6/2014</a:t>
             </a:fld>
             <a:endParaRPr lang="en-US"/>
           </a:p>
@@ -8471,7 +8646,7 @@
           <a:p>
             <a:fld id="{0DD0F891-3494-4375-8D9C-A971EB428D9A}" type="datetimeFigureOut">
               <a:rPr lang="en-US" smtClean="0"/>
-              <a:t>1/27/2014</a:t>
+              <a:t>2/6/2014</a:t>
             </a:fld>
             <a:endParaRPr lang="en-US"/>
           </a:p>
@@ -8724,7 +8899,7 @@
           <a:p>
             <a:fld id="{0DD0F891-3494-4375-8D9C-A971EB428D9A}" type="datetimeFigureOut">
               <a:rPr lang="en-US" smtClean="0"/>
-              <a:t>1/27/2014</a:t>
+              <a:t>2/6/2014</a:t>
             </a:fld>
             <a:endParaRPr lang="en-US"/>
           </a:p>
@@ -8937,7 +9112,7 @@
           <a:p>
             <a:fld id="{0DD0F891-3494-4375-8D9C-A971EB428D9A}" type="datetimeFigureOut">
               <a:rPr lang="en-US" smtClean="0"/>
-              <a:t>1/27/2014</a:t>
+              <a:t>2/6/2014</a:t>
             </a:fld>
             <a:endParaRPr lang="en-US"/>
           </a:p>
@@ -9387,7 +9562,7 @@
           <p:nvPr>
             <p:extLst>
               <p:ext uri="{D42A27DB-BD31-4B8C-83A1-F6EECF244321}">
-                <p14:modId xmlns:p14="http://schemas.microsoft.com/office/powerpoint/2010/main" val="3310528968"/>
+                <p14:modId xmlns:p14="http://schemas.microsoft.com/office/powerpoint/2010/main" val="2682632484"/>
               </p:ext>
             </p:extLst>
           </p:nvPr>
@@ -9409,7 +9584,7 @@
           <p:nvPr>
             <p:extLst>
               <p:ext uri="{D42A27DB-BD31-4B8C-83A1-F6EECF244321}">
-                <p14:modId xmlns:p14="http://schemas.microsoft.com/office/powerpoint/2010/main" val="1336830552"/>
+                <p14:modId xmlns:p14="http://schemas.microsoft.com/office/powerpoint/2010/main" val="282363929"/>
               </p:ext>
             </p:extLst>
           </p:nvPr>
